--- a/doc/tex/sdf/simplified_coherent_receiver/figures/SSB3.pptx
+++ b/doc/tex/sdf/simplified_coherent_receiver/figures/SSB3.pptx
@@ -243,7 +243,7 @@
           <a:p>
             <a:fld id="{2680F75E-BF8A-4352-8DF2-5712531B63DB}" type="datetimeFigureOut">
               <a:rPr lang="pt-PT" smtClean="0"/>
-              <a:t>09/10/2017</a:t>
+              <a:t>16/10/2017</a:t>
             </a:fld>
             <a:endParaRPr lang="pt-PT"/>
           </a:p>
@@ -413,7 +413,7 @@
           <a:p>
             <a:fld id="{2680F75E-BF8A-4352-8DF2-5712531B63DB}" type="datetimeFigureOut">
               <a:rPr lang="pt-PT" smtClean="0"/>
-              <a:t>09/10/2017</a:t>
+              <a:t>16/10/2017</a:t>
             </a:fld>
             <a:endParaRPr lang="pt-PT"/>
           </a:p>
@@ -593,7 +593,7 @@
           <a:p>
             <a:fld id="{2680F75E-BF8A-4352-8DF2-5712531B63DB}" type="datetimeFigureOut">
               <a:rPr lang="pt-PT" smtClean="0"/>
-              <a:t>09/10/2017</a:t>
+              <a:t>16/10/2017</a:t>
             </a:fld>
             <a:endParaRPr lang="pt-PT"/>
           </a:p>
@@ -763,7 +763,7 @@
           <a:p>
             <a:fld id="{2680F75E-BF8A-4352-8DF2-5712531B63DB}" type="datetimeFigureOut">
               <a:rPr lang="pt-PT" smtClean="0"/>
-              <a:t>09/10/2017</a:t>
+              <a:t>16/10/2017</a:t>
             </a:fld>
             <a:endParaRPr lang="pt-PT"/>
           </a:p>
@@ -1009,7 +1009,7 @@
           <a:p>
             <a:fld id="{2680F75E-BF8A-4352-8DF2-5712531B63DB}" type="datetimeFigureOut">
               <a:rPr lang="pt-PT" smtClean="0"/>
-              <a:t>09/10/2017</a:t>
+              <a:t>16/10/2017</a:t>
             </a:fld>
             <a:endParaRPr lang="pt-PT"/>
           </a:p>
@@ -1241,7 +1241,7 @@
           <a:p>
             <a:fld id="{2680F75E-BF8A-4352-8DF2-5712531B63DB}" type="datetimeFigureOut">
               <a:rPr lang="pt-PT" smtClean="0"/>
-              <a:t>09/10/2017</a:t>
+              <a:t>16/10/2017</a:t>
             </a:fld>
             <a:endParaRPr lang="pt-PT"/>
           </a:p>
@@ -1608,7 +1608,7 @@
           <a:p>
             <a:fld id="{2680F75E-BF8A-4352-8DF2-5712531B63DB}" type="datetimeFigureOut">
               <a:rPr lang="pt-PT" smtClean="0"/>
-              <a:t>09/10/2017</a:t>
+              <a:t>16/10/2017</a:t>
             </a:fld>
             <a:endParaRPr lang="pt-PT"/>
           </a:p>
@@ -1726,7 +1726,7 @@
           <a:p>
             <a:fld id="{2680F75E-BF8A-4352-8DF2-5712531B63DB}" type="datetimeFigureOut">
               <a:rPr lang="pt-PT" smtClean="0"/>
-              <a:t>09/10/2017</a:t>
+              <a:t>16/10/2017</a:t>
             </a:fld>
             <a:endParaRPr lang="pt-PT"/>
           </a:p>
@@ -1821,7 +1821,7 @@
           <a:p>
             <a:fld id="{2680F75E-BF8A-4352-8DF2-5712531B63DB}" type="datetimeFigureOut">
               <a:rPr lang="pt-PT" smtClean="0"/>
-              <a:t>09/10/2017</a:t>
+              <a:t>16/10/2017</a:t>
             </a:fld>
             <a:endParaRPr lang="pt-PT"/>
           </a:p>
@@ -2098,7 +2098,7 @@
           <a:p>
             <a:fld id="{2680F75E-BF8A-4352-8DF2-5712531B63DB}" type="datetimeFigureOut">
               <a:rPr lang="pt-PT" smtClean="0"/>
-              <a:t>09/10/2017</a:t>
+              <a:t>16/10/2017</a:t>
             </a:fld>
             <a:endParaRPr lang="pt-PT"/>
           </a:p>
@@ -2351,7 +2351,7 @@
           <a:p>
             <a:fld id="{2680F75E-BF8A-4352-8DF2-5712531B63DB}" type="datetimeFigureOut">
               <a:rPr lang="pt-PT" smtClean="0"/>
-              <a:t>09/10/2017</a:t>
+              <a:t>16/10/2017</a:t>
             </a:fld>
             <a:endParaRPr lang="pt-PT"/>
           </a:p>
@@ -2564,7 +2564,7 @@
           <a:p>
             <a:fld id="{2680F75E-BF8A-4352-8DF2-5712531B63DB}" type="datetimeFigureOut">
               <a:rPr lang="pt-PT" smtClean="0"/>
-              <a:t>09/10/2017</a:t>
+              <a:t>16/10/2017</a:t>
             </a:fld>
             <a:endParaRPr lang="pt-PT"/>
           </a:p>
@@ -3103,7 +3103,7 @@
           <p:spPr>
             <a:xfrm>
               <a:off x="6838933" y="2975202"/>
-              <a:ext cx="207210" cy="210449"/>
+              <a:ext cx="178624" cy="210449"/>
             </a:xfrm>
             <a:prstGeom prst="rect">
               <a:avLst/>
@@ -3117,10 +3117,10 @@
             <a:lstStyle/>
             <a:p>
               <a:r>
-                <a:rPr lang="en-US" sz="2200" b="1" dirty="0" smtClean="0">
+                <a:rPr lang="en-US" sz="2200" b="1" dirty="0">
                   <a:latin typeface="+mj-lt"/>
                 </a:rPr>
-                <a:t>+</a:t>
+                <a:t>-</a:t>
               </a:r>
               <a:r>
                 <a:rPr lang="en-US" sz="2200" b="1" i="1" dirty="0" err="1" smtClean="0">
@@ -3143,7 +3143,7 @@
           <p:spPr>
             <a:xfrm>
               <a:off x="5205590" y="2975201"/>
-              <a:ext cx="178624" cy="210449"/>
+              <a:ext cx="207210" cy="210449"/>
             </a:xfrm>
             <a:prstGeom prst="rect">
               <a:avLst/>
@@ -3157,10 +3157,10 @@
             <a:lstStyle/>
             <a:p>
               <a:r>
-                <a:rPr lang="en-US" sz="2200" b="1" dirty="0" smtClean="0">
+                <a:rPr lang="en-US" sz="2200" b="1" dirty="0">
                   <a:latin typeface="+mj-lt"/>
                 </a:rPr>
-                <a:t>-</a:t>
+                <a:t>+</a:t>
               </a:r>
               <a:r>
                 <a:rPr lang="en-US" sz="2200" b="1" i="1" dirty="0" err="1" smtClean="0">
